--- a/Transformers/blog_resources/graphics/QKV-2.pptx
+++ b/Transformers/blog_resources/graphics/QKV-2.pptx
@@ -2,12 +2,12 @@
 <file path=ppt/presentation.xml><?xml version="1.0" encoding="utf-8"?>
 <p:presentation xmlns:a="http://schemas.openxmlformats.org/drawingml/2006/main" xmlns:r="http://schemas.openxmlformats.org/officeDocument/2006/relationships" xmlns:p="http://schemas.openxmlformats.org/presentationml/2006/main" saveSubsetFonts="1">
   <p:sldMasterIdLst>
-    <p:sldMasterId id="2147483732" r:id="rId1"/>
+    <p:sldMasterId id="2147483744" r:id="rId1"/>
   </p:sldMasterIdLst>
   <p:sldIdLst>
     <p:sldId id="275" r:id="rId2"/>
   </p:sldIdLst>
-  <p:sldSz cx="16979900" cy="12734925"/>
+  <p:sldSz cx="22639338" cy="12734925"/>
   <p:notesSz cx="6858000" cy="9144000"/>
   <p:defaultTextStyle>
     <a:defPPr>
@@ -112,7 +112,7 @@
             <a:srgbClr val="A4A3A4"/>
           </p15:clr>
         </p15:guide>
-        <p15:guide id="2" pos="5393" userDrawn="1">
+        <p15:guide id="2" pos="7190" userDrawn="1">
           <p15:clr>
             <a:srgbClr val="A4A3A4"/>
           </p15:clr>
@@ -152,8 +152,8 @@
         </p:nvSpPr>
         <p:spPr>
           <a:xfrm>
-            <a:off x="1273493" y="2084166"/>
-            <a:ext cx="14432915" cy="4433641"/>
+            <a:off x="2829917" y="2084166"/>
+            <a:ext cx="16979504" cy="4433641"/>
           </a:xfrm>
         </p:spPr>
         <p:txBody>
@@ -184,8 +184,8 @@
         </p:nvSpPr>
         <p:spPr>
           <a:xfrm>
-            <a:off x="2122488" y="6688784"/>
-            <a:ext cx="12734925" cy="3074658"/>
+            <a:off x="2829917" y="6688784"/>
+            <a:ext cx="16979504" cy="3074658"/>
           </a:xfrm>
         </p:spPr>
         <p:txBody>
@@ -254,7 +254,7 @@
           <a:p>
             <a:fld id="{FB92FDD8-7731-4E46-9433-FCBAA3DC8EDF}" type="datetimeFigureOut">
               <a:rPr lang="en-GB" smtClean="0"/>
-              <a:t>21/08/2021</a:t>
+              <a:t>23/08/2021</a:t>
             </a:fld>
             <a:endParaRPr lang="en-GB"/>
           </a:p>
@@ -305,7 +305,7 @@
     </p:spTree>
     <p:extLst>
       <p:ext uri="{BB962C8B-B14F-4D97-AF65-F5344CB8AC3E}">
-        <p14:creationId xmlns:p14="http://schemas.microsoft.com/office/powerpoint/2010/main" val="3816738032"/>
+        <p14:creationId xmlns:p14="http://schemas.microsoft.com/office/powerpoint/2010/main" val="160217168"/>
       </p:ext>
     </p:extLst>
   </p:cSld>
@@ -424,7 +424,7 @@
           <a:p>
             <a:fld id="{FB92FDD8-7731-4E46-9433-FCBAA3DC8EDF}" type="datetimeFigureOut">
               <a:rPr lang="en-GB" smtClean="0"/>
-              <a:t>21/08/2021</a:t>
+              <a:t>23/08/2021</a:t>
             </a:fld>
             <a:endParaRPr lang="en-GB"/>
           </a:p>
@@ -475,7 +475,7 @@
     </p:spTree>
     <p:extLst>
       <p:ext uri="{BB962C8B-B14F-4D97-AF65-F5344CB8AC3E}">
-        <p14:creationId xmlns:p14="http://schemas.microsoft.com/office/powerpoint/2010/main" val="305197138"/>
+        <p14:creationId xmlns:p14="http://schemas.microsoft.com/office/powerpoint/2010/main" val="1643460178"/>
       </p:ext>
     </p:extLst>
   </p:cSld>
@@ -514,8 +514,8 @@
         </p:nvSpPr>
         <p:spPr>
           <a:xfrm>
-            <a:off x="12151242" y="678017"/>
-            <a:ext cx="3661291" cy="10792260"/>
+            <a:off x="16201276" y="678017"/>
+            <a:ext cx="4881607" cy="10792260"/>
           </a:xfrm>
         </p:spPr>
         <p:txBody>
@@ -542,8 +542,8 @@
         </p:nvSpPr>
         <p:spPr>
           <a:xfrm>
-            <a:off x="1167369" y="678017"/>
-            <a:ext cx="10771624" cy="10792260"/>
+            <a:off x="1556455" y="678017"/>
+            <a:ext cx="14361830" cy="10792260"/>
           </a:xfrm>
         </p:spPr>
         <p:txBody>
@@ -604,7 +604,7 @@
           <a:p>
             <a:fld id="{FB92FDD8-7731-4E46-9433-FCBAA3DC8EDF}" type="datetimeFigureOut">
               <a:rPr lang="en-GB" smtClean="0"/>
-              <a:t>21/08/2021</a:t>
+              <a:t>23/08/2021</a:t>
             </a:fld>
             <a:endParaRPr lang="en-GB"/>
           </a:p>
@@ -655,7 +655,7 @@
     </p:spTree>
     <p:extLst>
       <p:ext uri="{BB962C8B-B14F-4D97-AF65-F5344CB8AC3E}">
-        <p14:creationId xmlns:p14="http://schemas.microsoft.com/office/powerpoint/2010/main" val="22150666"/>
+        <p14:creationId xmlns:p14="http://schemas.microsoft.com/office/powerpoint/2010/main" val="2056115667"/>
       </p:ext>
     </p:extLst>
   </p:cSld>
@@ -774,7 +774,7 @@
           <a:p>
             <a:fld id="{FB92FDD8-7731-4E46-9433-FCBAA3DC8EDF}" type="datetimeFigureOut">
               <a:rPr lang="en-GB" smtClean="0"/>
-              <a:t>21/08/2021</a:t>
+              <a:t>23/08/2021</a:t>
             </a:fld>
             <a:endParaRPr lang="en-GB"/>
           </a:p>
@@ -825,7 +825,7 @@
     </p:spTree>
     <p:extLst>
       <p:ext uri="{BB962C8B-B14F-4D97-AF65-F5344CB8AC3E}">
-        <p14:creationId xmlns:p14="http://schemas.microsoft.com/office/powerpoint/2010/main" val="940980646"/>
+        <p14:creationId xmlns:p14="http://schemas.microsoft.com/office/powerpoint/2010/main" val="1389215940"/>
       </p:ext>
     </p:extLst>
   </p:cSld>
@@ -864,8 +864,8 @@
         </p:nvSpPr>
         <p:spPr>
           <a:xfrm>
-            <a:off x="1158525" y="3174891"/>
-            <a:ext cx="14645164" cy="5297374"/>
+            <a:off x="1544663" y="3174889"/>
+            <a:ext cx="19526429" cy="5297374"/>
           </a:xfrm>
         </p:spPr>
         <p:txBody>
@@ -896,8 +896,8 @@
         </p:nvSpPr>
         <p:spPr>
           <a:xfrm>
-            <a:off x="1158525" y="8522381"/>
-            <a:ext cx="14645164" cy="2785764"/>
+            <a:off x="1544663" y="8522379"/>
+            <a:ext cx="19526429" cy="2785764"/>
           </a:xfrm>
         </p:spPr>
         <p:txBody>
@@ -907,7 +907,9 @@
               <a:buNone/>
               <a:defRPr sz="4457">
                 <a:solidFill>
-                  <a:schemeClr val="tx1"/>
+                  <a:schemeClr val="tx1">
+                    <a:tint val="75000"/>
+                  </a:schemeClr>
                 </a:solidFill>
               </a:defRPr>
             </a:lvl1pPr>
@@ -1018,7 +1020,7 @@
           <a:p>
             <a:fld id="{FB92FDD8-7731-4E46-9433-FCBAA3DC8EDF}" type="datetimeFigureOut">
               <a:rPr lang="en-GB" smtClean="0"/>
-              <a:t>21/08/2021</a:t>
+              <a:t>23/08/2021</a:t>
             </a:fld>
             <a:endParaRPr lang="en-GB"/>
           </a:p>
@@ -1069,7 +1071,7 @@
     </p:spTree>
     <p:extLst>
       <p:ext uri="{BB962C8B-B14F-4D97-AF65-F5344CB8AC3E}">
-        <p14:creationId xmlns:p14="http://schemas.microsoft.com/office/powerpoint/2010/main" val="590214954"/>
+        <p14:creationId xmlns:p14="http://schemas.microsoft.com/office/powerpoint/2010/main" val="1174299577"/>
       </p:ext>
     </p:extLst>
   </p:cSld>
@@ -1131,8 +1133,8 @@
         </p:nvSpPr>
         <p:spPr>
           <a:xfrm>
-            <a:off x="1167368" y="3390084"/>
-            <a:ext cx="7216458" cy="8080193"/>
+            <a:off x="1556454" y="3390084"/>
+            <a:ext cx="9621719" cy="8080193"/>
           </a:xfrm>
         </p:spPr>
         <p:txBody>
@@ -1188,8 +1190,8 @@
         </p:nvSpPr>
         <p:spPr>
           <a:xfrm>
-            <a:off x="8596074" y="3390084"/>
-            <a:ext cx="7216458" cy="8080193"/>
+            <a:off x="11461165" y="3390084"/>
+            <a:ext cx="9621719" cy="8080193"/>
           </a:xfrm>
         </p:spPr>
         <p:txBody>
@@ -1250,7 +1252,7 @@
           <a:p>
             <a:fld id="{FB92FDD8-7731-4E46-9433-FCBAA3DC8EDF}" type="datetimeFigureOut">
               <a:rPr lang="en-GB" smtClean="0"/>
-              <a:t>21/08/2021</a:t>
+              <a:t>23/08/2021</a:t>
             </a:fld>
             <a:endParaRPr lang="en-GB"/>
           </a:p>
@@ -1301,7 +1303,7 @@
     </p:spTree>
     <p:extLst>
       <p:ext uri="{BB962C8B-B14F-4D97-AF65-F5344CB8AC3E}">
-        <p14:creationId xmlns:p14="http://schemas.microsoft.com/office/powerpoint/2010/main" val="3717785189"/>
+        <p14:creationId xmlns:p14="http://schemas.microsoft.com/office/powerpoint/2010/main" val="165470598"/>
       </p:ext>
     </p:extLst>
   </p:cSld>
@@ -1340,8 +1342,8 @@
         </p:nvSpPr>
         <p:spPr>
           <a:xfrm>
-            <a:off x="1169580" y="678020"/>
-            <a:ext cx="14645164" cy="2461497"/>
+            <a:off x="1559403" y="678018"/>
+            <a:ext cx="19526429" cy="2461497"/>
           </a:xfrm>
         </p:spPr>
         <p:txBody>
@@ -1368,8 +1370,8 @@
         </p:nvSpPr>
         <p:spPr>
           <a:xfrm>
-            <a:off x="1169582" y="3121826"/>
-            <a:ext cx="7183292" cy="1529959"/>
+            <a:off x="1559404" y="3121826"/>
+            <a:ext cx="9577500" cy="1529959"/>
           </a:xfrm>
         </p:spPr>
         <p:txBody>
@@ -1433,8 +1435,8 @@
         </p:nvSpPr>
         <p:spPr>
           <a:xfrm>
-            <a:off x="1169582" y="4651785"/>
-            <a:ext cx="7183292" cy="6842075"/>
+            <a:off x="1559404" y="4651785"/>
+            <a:ext cx="9577500" cy="6842075"/>
           </a:xfrm>
         </p:spPr>
         <p:txBody>
@@ -1490,8 +1492,8 @@
         </p:nvSpPr>
         <p:spPr>
           <a:xfrm>
-            <a:off x="8596075" y="3121826"/>
-            <a:ext cx="7218669" cy="1529959"/>
+            <a:off x="11461165" y="3121826"/>
+            <a:ext cx="9624667" cy="1529959"/>
           </a:xfrm>
         </p:spPr>
         <p:txBody>
@@ -1555,8 +1557,8 @@
         </p:nvSpPr>
         <p:spPr>
           <a:xfrm>
-            <a:off x="8596075" y="4651785"/>
-            <a:ext cx="7218669" cy="6842075"/>
+            <a:off x="11461165" y="4651785"/>
+            <a:ext cx="9624667" cy="6842075"/>
           </a:xfrm>
         </p:spPr>
         <p:txBody>
@@ -1617,7 +1619,7 @@
           <a:p>
             <a:fld id="{FB92FDD8-7731-4E46-9433-FCBAA3DC8EDF}" type="datetimeFigureOut">
               <a:rPr lang="en-GB" smtClean="0"/>
-              <a:t>21/08/2021</a:t>
+              <a:t>23/08/2021</a:t>
             </a:fld>
             <a:endParaRPr lang="en-GB"/>
           </a:p>
@@ -1668,7 +1670,7 @@
     </p:spTree>
     <p:extLst>
       <p:ext uri="{BB962C8B-B14F-4D97-AF65-F5344CB8AC3E}">
-        <p14:creationId xmlns:p14="http://schemas.microsoft.com/office/powerpoint/2010/main" val="4255105756"/>
+        <p14:creationId xmlns:p14="http://schemas.microsoft.com/office/powerpoint/2010/main" val="2453776324"/>
       </p:ext>
     </p:extLst>
   </p:cSld>
@@ -1735,7 +1737,7 @@
           <a:p>
             <a:fld id="{FB92FDD8-7731-4E46-9433-FCBAA3DC8EDF}" type="datetimeFigureOut">
               <a:rPr lang="en-GB" smtClean="0"/>
-              <a:t>21/08/2021</a:t>
+              <a:t>23/08/2021</a:t>
             </a:fld>
             <a:endParaRPr lang="en-GB"/>
           </a:p>
@@ -1786,7 +1788,7 @@
     </p:spTree>
     <p:extLst>
       <p:ext uri="{BB962C8B-B14F-4D97-AF65-F5344CB8AC3E}">
-        <p14:creationId xmlns:p14="http://schemas.microsoft.com/office/powerpoint/2010/main" val="3790712380"/>
+        <p14:creationId xmlns:p14="http://schemas.microsoft.com/office/powerpoint/2010/main" val="2256615804"/>
       </p:ext>
     </p:extLst>
   </p:cSld>
@@ -1830,7 +1832,7 @@
           <a:p>
             <a:fld id="{FB92FDD8-7731-4E46-9433-FCBAA3DC8EDF}" type="datetimeFigureOut">
               <a:rPr lang="en-GB" smtClean="0"/>
-              <a:t>21/08/2021</a:t>
+              <a:t>23/08/2021</a:t>
             </a:fld>
             <a:endParaRPr lang="en-GB"/>
           </a:p>
@@ -1881,7 +1883,7 @@
     </p:spTree>
     <p:extLst>
       <p:ext uri="{BB962C8B-B14F-4D97-AF65-F5344CB8AC3E}">
-        <p14:creationId xmlns:p14="http://schemas.microsoft.com/office/powerpoint/2010/main" val="3437345311"/>
+        <p14:creationId xmlns:p14="http://schemas.microsoft.com/office/powerpoint/2010/main" val="1462781235"/>
       </p:ext>
     </p:extLst>
   </p:cSld>
@@ -1920,8 +1922,8 @@
         </p:nvSpPr>
         <p:spPr>
           <a:xfrm>
-            <a:off x="1169580" y="848995"/>
-            <a:ext cx="5476460" cy="2971483"/>
+            <a:off x="1559404" y="848995"/>
+            <a:ext cx="7301775" cy="2971483"/>
           </a:xfrm>
         </p:spPr>
         <p:txBody>
@@ -1952,8 +1954,8 @@
         </p:nvSpPr>
         <p:spPr>
           <a:xfrm>
-            <a:off x="7218669" y="1833596"/>
-            <a:ext cx="8596074" cy="9050051"/>
+            <a:off x="9624667" y="1833594"/>
+            <a:ext cx="11461165" cy="9050051"/>
           </a:xfrm>
         </p:spPr>
         <p:txBody>
@@ -2037,8 +2039,8 @@
         </p:nvSpPr>
         <p:spPr>
           <a:xfrm>
-            <a:off x="1169580" y="3820478"/>
-            <a:ext cx="5476460" cy="7077907"/>
+            <a:off x="1559404" y="3820478"/>
+            <a:ext cx="7301775" cy="7077907"/>
           </a:xfrm>
         </p:spPr>
         <p:txBody>
@@ -2107,7 +2109,7 @@
           <a:p>
             <a:fld id="{FB92FDD8-7731-4E46-9433-FCBAA3DC8EDF}" type="datetimeFigureOut">
               <a:rPr lang="en-GB" smtClean="0"/>
-              <a:t>21/08/2021</a:t>
+              <a:t>23/08/2021</a:t>
             </a:fld>
             <a:endParaRPr lang="en-GB"/>
           </a:p>
@@ -2158,7 +2160,7 @@
     </p:spTree>
     <p:extLst>
       <p:ext uri="{BB962C8B-B14F-4D97-AF65-F5344CB8AC3E}">
-        <p14:creationId xmlns:p14="http://schemas.microsoft.com/office/powerpoint/2010/main" val="2795929919"/>
+        <p14:creationId xmlns:p14="http://schemas.microsoft.com/office/powerpoint/2010/main" val="1003470732"/>
       </p:ext>
     </p:extLst>
   </p:cSld>
@@ -2197,8 +2199,8 @@
         </p:nvSpPr>
         <p:spPr>
           <a:xfrm>
-            <a:off x="1169580" y="848995"/>
-            <a:ext cx="5476460" cy="2971483"/>
+            <a:off x="1559404" y="848995"/>
+            <a:ext cx="7301775" cy="2971483"/>
           </a:xfrm>
         </p:spPr>
         <p:txBody>
@@ -2229,8 +2231,8 @@
         </p:nvSpPr>
         <p:spPr>
           <a:xfrm>
-            <a:off x="7218669" y="1833596"/>
-            <a:ext cx="8596074" cy="9050051"/>
+            <a:off x="9624667" y="1833594"/>
+            <a:ext cx="11461165" cy="9050051"/>
           </a:xfrm>
         </p:spPr>
         <p:txBody>
@@ -2294,8 +2296,8 @@
         </p:nvSpPr>
         <p:spPr>
           <a:xfrm>
-            <a:off x="1169580" y="3820478"/>
-            <a:ext cx="5476460" cy="7077907"/>
+            <a:off x="1559404" y="3820478"/>
+            <a:ext cx="7301775" cy="7077907"/>
           </a:xfrm>
         </p:spPr>
         <p:txBody>
@@ -2364,7 +2366,7 @@
           <a:p>
             <a:fld id="{FB92FDD8-7731-4E46-9433-FCBAA3DC8EDF}" type="datetimeFigureOut">
               <a:rPr lang="en-GB" smtClean="0"/>
-              <a:t>21/08/2021</a:t>
+              <a:t>23/08/2021</a:t>
             </a:fld>
             <a:endParaRPr lang="en-GB"/>
           </a:p>
@@ -2415,7 +2417,7 @@
     </p:spTree>
     <p:extLst>
       <p:ext uri="{BB962C8B-B14F-4D97-AF65-F5344CB8AC3E}">
-        <p14:creationId xmlns:p14="http://schemas.microsoft.com/office/powerpoint/2010/main" val="2342748795"/>
+        <p14:creationId xmlns:p14="http://schemas.microsoft.com/office/powerpoint/2010/main" val="3092950365"/>
       </p:ext>
     </p:extLst>
   </p:cSld>
@@ -2459,8 +2461,8 @@
         </p:nvSpPr>
         <p:spPr>
           <a:xfrm>
-            <a:off x="1167368" y="678020"/>
-            <a:ext cx="14645164" cy="2461497"/>
+            <a:off x="1556455" y="678018"/>
+            <a:ext cx="19526429" cy="2461497"/>
           </a:xfrm>
           <a:prstGeom prst="rect">
             <a:avLst/>
@@ -2492,8 +2494,8 @@
         </p:nvSpPr>
         <p:spPr>
           <a:xfrm>
-            <a:off x="1167368" y="3390084"/>
-            <a:ext cx="14645164" cy="8080193"/>
+            <a:off x="1556455" y="3390084"/>
+            <a:ext cx="19526429" cy="8080193"/>
           </a:xfrm>
           <a:prstGeom prst="rect">
             <a:avLst/>
@@ -2554,8 +2556,8 @@
         </p:nvSpPr>
         <p:spPr>
           <a:xfrm>
-            <a:off x="1167368" y="11803392"/>
-            <a:ext cx="3820478" cy="678017"/>
+            <a:off x="1556455" y="11803390"/>
+            <a:ext cx="5093851" cy="678017"/>
           </a:xfrm>
           <a:prstGeom prst="rect">
             <a:avLst/>
@@ -2577,7 +2579,7 @@
           <a:p>
             <a:fld id="{FB92FDD8-7731-4E46-9433-FCBAA3DC8EDF}" type="datetimeFigureOut">
               <a:rPr lang="en-GB" smtClean="0"/>
-              <a:t>21/08/2021</a:t>
+              <a:t>23/08/2021</a:t>
             </a:fld>
             <a:endParaRPr lang="en-GB"/>
           </a:p>
@@ -2595,8 +2597,8 @@
         </p:nvSpPr>
         <p:spPr>
           <a:xfrm>
-            <a:off x="5624592" y="11803392"/>
-            <a:ext cx="5730716" cy="678017"/>
+            <a:off x="7499281" y="11803390"/>
+            <a:ext cx="7640777" cy="678017"/>
           </a:xfrm>
           <a:prstGeom prst="rect">
             <a:avLst/>
@@ -2632,8 +2634,8 @@
         </p:nvSpPr>
         <p:spPr>
           <a:xfrm>
-            <a:off x="11992054" y="11803392"/>
-            <a:ext cx="3820478" cy="678017"/>
+            <a:off x="15989032" y="11803390"/>
+            <a:ext cx="5093851" cy="678017"/>
           </a:xfrm>
           <a:prstGeom prst="rect">
             <a:avLst/>
@@ -2664,23 +2666,23 @@
     </p:spTree>
     <p:extLst>
       <p:ext uri="{BB962C8B-B14F-4D97-AF65-F5344CB8AC3E}">
-        <p14:creationId xmlns:p14="http://schemas.microsoft.com/office/powerpoint/2010/main" val="3112170963"/>
+        <p14:creationId xmlns:p14="http://schemas.microsoft.com/office/powerpoint/2010/main" val="2935134358"/>
       </p:ext>
     </p:extLst>
   </p:cSld>
   <p:clrMap bg1="lt1" tx1="dk1" bg2="lt2" tx2="dk2" accent1="accent1" accent2="accent2" accent3="accent3" accent4="accent4" accent5="accent5" accent6="accent6" hlink="hlink" folHlink="folHlink"/>
   <p:sldLayoutIdLst>
-    <p:sldLayoutId id="2147483733" r:id="rId1"/>
-    <p:sldLayoutId id="2147483734" r:id="rId2"/>
-    <p:sldLayoutId id="2147483735" r:id="rId3"/>
-    <p:sldLayoutId id="2147483736" r:id="rId4"/>
-    <p:sldLayoutId id="2147483737" r:id="rId5"/>
-    <p:sldLayoutId id="2147483738" r:id="rId6"/>
-    <p:sldLayoutId id="2147483739" r:id="rId7"/>
-    <p:sldLayoutId id="2147483740" r:id="rId8"/>
-    <p:sldLayoutId id="2147483741" r:id="rId9"/>
-    <p:sldLayoutId id="2147483742" r:id="rId10"/>
-    <p:sldLayoutId id="2147483743" r:id="rId11"/>
+    <p:sldLayoutId id="2147483745" r:id="rId1"/>
+    <p:sldLayoutId id="2147483746" r:id="rId2"/>
+    <p:sldLayoutId id="2147483747" r:id="rId3"/>
+    <p:sldLayoutId id="2147483748" r:id="rId4"/>
+    <p:sldLayoutId id="2147483749" r:id="rId5"/>
+    <p:sldLayoutId id="2147483750" r:id="rId6"/>
+    <p:sldLayoutId id="2147483751" r:id="rId7"/>
+    <p:sldLayoutId id="2147483752" r:id="rId8"/>
+    <p:sldLayoutId id="2147483753" r:id="rId9"/>
+    <p:sldLayoutId id="2147483754" r:id="rId10"/>
+    <p:sldLayoutId id="2147483755" r:id="rId11"/>
   </p:sldLayoutIdLst>
   <p:txStyles>
     <p:titleStyle>
@@ -2996,10 +2998,10 @@
         </p:nvGrpSpPr>
         <p:grpSpPr>
           <a:xfrm>
-            <a:off x="2060413" y="7090702"/>
-            <a:ext cx="2493116" cy="2606109"/>
+            <a:off x="2747153" y="7331759"/>
+            <a:ext cx="3324077" cy="3443965"/>
             <a:chOff x="682083" y="2077761"/>
-            <a:chExt cx="2493116" cy="2606109"/>
+            <a:chExt cx="2493116" cy="2583034"/>
           </a:xfrm>
         </p:grpSpPr>
         <p:grpSp>
@@ -3075,7 +3077,7 @@
               <a:lstStyle/>
               <a:p>
                 <a:pPr algn="ctr"/>
-                <a:endParaRPr lang="en-GB" dirty="0"/>
+                <a:endParaRPr lang="en-GB" sz="2400" dirty="0"/>
               </a:p>
             </p:txBody>
           </p:sp>
@@ -3132,7 +3134,7 @@
               <a:lstStyle/>
               <a:p>
                 <a:pPr algn="ctr"/>
-                <a:endParaRPr lang="en-GB"/>
+                <a:endParaRPr lang="en-GB" sz="2400"/>
               </a:p>
             </p:txBody>
           </p:sp>
@@ -3189,7 +3191,7 @@
               <a:lstStyle/>
               <a:p>
                 <a:pPr algn="ctr"/>
-                <a:endParaRPr lang="en-GB"/>
+                <a:endParaRPr lang="en-GB" sz="2400"/>
               </a:p>
             </p:txBody>
           </p:sp>
@@ -3246,7 +3248,7 @@
               <a:lstStyle/>
               <a:p>
                 <a:pPr algn="ctr"/>
-                <a:endParaRPr lang="en-GB"/>
+                <a:endParaRPr lang="en-GB" sz="2400"/>
               </a:p>
             </p:txBody>
           </p:sp>
@@ -3303,7 +3305,7 @@
               <a:lstStyle/>
               <a:p>
                 <a:pPr algn="ctr"/>
-                <a:endParaRPr lang="en-GB"/>
+                <a:endParaRPr lang="en-GB" sz="2400"/>
               </a:p>
             </p:txBody>
           </p:sp>
@@ -3381,7 +3383,7 @@
               <a:lstStyle/>
               <a:p>
                 <a:pPr algn="ctr"/>
-                <a:endParaRPr lang="en-GB"/>
+                <a:endParaRPr lang="en-GB" sz="2400"/>
               </a:p>
             </p:txBody>
           </p:sp>
@@ -3438,7 +3440,7 @@
               <a:lstStyle/>
               <a:p>
                 <a:pPr algn="ctr"/>
-                <a:endParaRPr lang="en-GB"/>
+                <a:endParaRPr lang="en-GB" sz="2400"/>
               </a:p>
             </p:txBody>
           </p:sp>
@@ -3495,7 +3497,7 @@
               <a:lstStyle/>
               <a:p>
                 <a:pPr algn="ctr"/>
-                <a:endParaRPr lang="en-GB"/>
+                <a:endParaRPr lang="en-GB" sz="2400"/>
               </a:p>
             </p:txBody>
           </p:sp>
@@ -3552,7 +3554,7 @@
               <a:lstStyle/>
               <a:p>
                 <a:pPr algn="ctr"/>
-                <a:endParaRPr lang="en-GB"/>
+                <a:endParaRPr lang="en-GB" sz="2400"/>
               </a:p>
             </p:txBody>
           </p:sp>
@@ -3609,7 +3611,7 @@
               <a:lstStyle/>
               <a:p>
                 <a:pPr algn="ctr"/>
-                <a:endParaRPr lang="en-GB"/>
+                <a:endParaRPr lang="en-GB" sz="2400"/>
               </a:p>
             </p:txBody>
           </p:sp>
@@ -3687,7 +3689,7 @@
               <a:lstStyle/>
               <a:p>
                 <a:pPr algn="ctr"/>
-                <a:endParaRPr lang="en-GB"/>
+                <a:endParaRPr lang="en-GB" sz="2400"/>
               </a:p>
             </p:txBody>
           </p:sp>
@@ -3744,7 +3746,7 @@
               <a:lstStyle/>
               <a:p>
                 <a:pPr algn="ctr"/>
-                <a:endParaRPr lang="en-GB"/>
+                <a:endParaRPr lang="en-GB" sz="2400"/>
               </a:p>
             </p:txBody>
           </p:sp>
@@ -3801,7 +3803,7 @@
               <a:lstStyle/>
               <a:p>
                 <a:pPr algn="ctr"/>
-                <a:endParaRPr lang="en-GB"/>
+                <a:endParaRPr lang="en-GB" sz="2400"/>
               </a:p>
             </p:txBody>
           </p:sp>
@@ -3858,7 +3860,7 @@
               <a:lstStyle/>
               <a:p>
                 <a:pPr algn="ctr"/>
-                <a:endParaRPr lang="en-GB"/>
+                <a:endParaRPr lang="en-GB" sz="2400"/>
               </a:p>
             </p:txBody>
           </p:sp>
@@ -3915,7 +3917,7 @@
               <a:lstStyle/>
               <a:p>
                 <a:pPr algn="ctr"/>
-                <a:endParaRPr lang="en-GB"/>
+                <a:endParaRPr lang="en-GB" sz="2400"/>
               </a:p>
             </p:txBody>
           </p:sp>
@@ -3993,7 +3995,7 @@
               <a:lstStyle/>
               <a:p>
                 <a:pPr algn="ctr"/>
-                <a:endParaRPr lang="en-GB"/>
+                <a:endParaRPr lang="en-GB" sz="2400"/>
               </a:p>
             </p:txBody>
           </p:sp>
@@ -4050,7 +4052,7 @@
               <a:lstStyle/>
               <a:p>
                 <a:pPr algn="ctr"/>
-                <a:endParaRPr lang="en-GB"/>
+                <a:endParaRPr lang="en-GB" sz="2400"/>
               </a:p>
             </p:txBody>
           </p:sp>
@@ -4107,7 +4109,7 @@
               <a:lstStyle/>
               <a:p>
                 <a:pPr algn="ctr"/>
-                <a:endParaRPr lang="en-GB"/>
+                <a:endParaRPr lang="en-GB" sz="2400"/>
               </a:p>
             </p:txBody>
           </p:sp>
@@ -4164,7 +4166,7 @@
               <a:lstStyle/>
               <a:p>
                 <a:pPr algn="ctr"/>
-                <a:endParaRPr lang="en-GB"/>
+                <a:endParaRPr lang="en-GB" sz="2400"/>
               </a:p>
             </p:txBody>
           </p:sp>
@@ -4221,7 +4223,7 @@
               <a:lstStyle/>
               <a:p>
                 <a:pPr algn="ctr"/>
-                <a:endParaRPr lang="en-GB"/>
+                <a:endParaRPr lang="en-GB" sz="2400"/>
               </a:p>
             </p:txBody>
           </p:sp>
@@ -4329,7 +4331,7 @@
           <p:spPr>
             <a:xfrm>
               <a:off x="1815029" y="2077761"/>
-              <a:ext cx="1120140" cy="338554"/>
+              <a:ext cx="1120140" cy="315430"/>
             </a:xfrm>
             <a:prstGeom prst="rect">
               <a:avLst/>
@@ -4344,13 +4346,13 @@
             <a:p>
               <a:pPr algn="ctr"/>
               <a:r>
-                <a:rPr lang="en-US" sz="1600" b="1" dirty="0">
+                <a:rPr lang="en-US" sz="2133" b="1" dirty="0">
                   <a:latin typeface="Consolas" panose="020B0609020204030204" pitchFamily="49" charset="0"/>
                   <a:cs typeface="Cordia New" panose="020B0304020202020204" pitchFamily="34" charset="-34"/>
                 </a:rPr>
                 <a:t>X</a:t>
               </a:r>
-              <a:endParaRPr lang="en-GB" sz="1600" b="1" dirty="0">
+              <a:endParaRPr lang="en-GB" sz="2133" b="1" dirty="0">
                 <a:latin typeface="Consolas" panose="020B0609020204030204" pitchFamily="49" charset="0"/>
                 <a:cs typeface="Cordia New" panose="020B0304020202020204" pitchFamily="34" charset="-34"/>
               </a:endParaRPr>
@@ -4372,7 +4374,7 @@
           <p:spPr>
             <a:xfrm>
               <a:off x="682083" y="3120042"/>
-              <a:ext cx="572876" cy="369332"/>
+              <a:ext cx="572876" cy="346257"/>
             </a:xfrm>
             <a:prstGeom prst="rect">
               <a:avLst/>
@@ -4386,14 +4388,14 @@
             <a:lstStyle/>
             <a:p>
               <a:r>
-                <a:rPr lang="en-US" dirty="0"/>
+                <a:rPr lang="en-US" sz="2400" dirty="0"/>
                 <a:t>N</a:t>
               </a:r>
               <a:r>
-                <a:rPr lang="en-US" baseline="-25000" dirty="0"/>
+                <a:rPr lang="en-US" sz="2400" baseline="-25000" dirty="0"/>
                 <a:t>X</a:t>
               </a:r>
-              <a:endParaRPr lang="en-GB" baseline="-25000" dirty="0"/>
+              <a:endParaRPr lang="en-GB" sz="2400" baseline="-25000" dirty="0"/>
             </a:p>
           </p:txBody>
         </p:sp>
@@ -4412,7 +4414,7 @@
           <p:spPr>
             <a:xfrm>
               <a:off x="2215079" y="4314538"/>
-              <a:ext cx="572876" cy="369332"/>
+              <a:ext cx="572876" cy="346257"/>
             </a:xfrm>
             <a:prstGeom prst="rect">
               <a:avLst/>
@@ -4426,14 +4428,14 @@
             <a:lstStyle/>
             <a:p>
               <a:r>
-                <a:rPr lang="en-US" dirty="0"/>
+                <a:rPr lang="en-US" sz="2400" dirty="0"/>
                 <a:t>D</a:t>
               </a:r>
               <a:r>
-                <a:rPr lang="en-US" baseline="-25000" dirty="0"/>
+                <a:rPr lang="en-US" sz="2400" baseline="-25000" dirty="0"/>
                 <a:t>X</a:t>
               </a:r>
-              <a:endParaRPr lang="en-GB" baseline="-25000" dirty="0"/>
+              <a:endParaRPr lang="en-GB" sz="2400" baseline="-25000" dirty="0"/>
             </a:p>
           </p:txBody>
         </p:sp>
@@ -4452,8 +4454,8 @@
         </p:nvSpPr>
         <p:spPr>
           <a:xfrm>
-            <a:off x="6613864" y="9142811"/>
-            <a:ext cx="3346762" cy="307777"/>
+            <a:off x="8818279" y="10067841"/>
+            <a:ext cx="4462245" cy="379656"/>
           </a:xfrm>
           <a:prstGeom prst="rect">
             <a:avLst/>
@@ -4468,42 +4470,42 @@
           <a:p>
             <a:pPr algn="ctr"/>
             <a:r>
-              <a:rPr lang="en-US" sz="1400" dirty="0"/>
+              <a:rPr lang="en-US" sz="1867" dirty="0"/>
               <a:t>W</a:t>
             </a:r>
             <a:r>
-              <a:rPr lang="en-US" sz="1400" baseline="-25000" dirty="0"/>
+              <a:rPr lang="en-US" sz="1867" baseline="-25000" dirty="0"/>
               <a:t>V</a:t>
             </a:r>
             <a:r>
-              <a:rPr lang="en-US" sz="1400" dirty="0"/>
+              <a:rPr lang="en-US" sz="1867" dirty="0"/>
               <a:t>: D</a:t>
             </a:r>
             <a:r>
-              <a:rPr lang="en-US" sz="1400" baseline="-25000" dirty="0"/>
+              <a:rPr lang="en-US" sz="1867" baseline="-25000" dirty="0"/>
               <a:t>X</a:t>
             </a:r>
             <a:r>
-              <a:rPr lang="en-US" sz="1400" dirty="0"/>
+              <a:rPr lang="en-US" sz="1867" dirty="0"/>
               <a:t> x D</a:t>
             </a:r>
             <a:r>
-              <a:rPr lang="en-US" sz="1400" baseline="-25000" dirty="0"/>
+              <a:rPr lang="en-US" sz="1867" baseline="-25000" dirty="0"/>
               <a:t>V</a:t>
             </a:r>
             <a:r>
-              <a:rPr lang="en-US" sz="1400" dirty="0"/>
+              <a:rPr lang="en-US" sz="1867" dirty="0"/>
               <a:t> </a:t>
             </a:r>
             <a:r>
-              <a:rPr lang="en-US" sz="1400" i="1" dirty="0"/>
+              <a:rPr lang="en-US" sz="1867" i="1" dirty="0"/>
               <a:t>learned</a:t>
             </a:r>
             <a:r>
-              <a:rPr lang="en-US" sz="1400" dirty="0"/>
+              <a:rPr lang="en-US" sz="1867" dirty="0"/>
               <a:t> weights</a:t>
             </a:r>
-            <a:endParaRPr lang="en-GB" sz="1400" dirty="0"/>
+            <a:endParaRPr lang="en-GB" sz="1867" dirty="0"/>
           </a:p>
         </p:txBody>
       </p:sp>
@@ -4521,10 +4523,10 @@
         </p:nvGrpSpPr>
         <p:grpSpPr>
           <a:xfrm>
-            <a:off x="2060420" y="4873829"/>
-            <a:ext cx="1732737" cy="1503035"/>
+            <a:off x="2747163" y="4375998"/>
+            <a:ext cx="2310262" cy="1973234"/>
             <a:chOff x="5019330" y="592754"/>
-            <a:chExt cx="1732737" cy="1503035"/>
+            <a:chExt cx="1732737" cy="1479960"/>
           </a:xfrm>
         </p:grpSpPr>
         <p:grpSp>
@@ -4597,7 +4599,7 @@
               <a:lstStyle/>
               <a:p>
                 <a:pPr algn="ctr"/>
-                <a:endParaRPr lang="en-GB"/>
+                <a:endParaRPr lang="en-GB" sz="2400"/>
               </a:p>
             </p:txBody>
           </p:sp>
@@ -4651,7 +4653,7 @@
               <a:lstStyle/>
               <a:p>
                 <a:pPr algn="ctr"/>
-                <a:endParaRPr lang="en-GB"/>
+                <a:endParaRPr lang="en-GB" sz="2400"/>
               </a:p>
             </p:txBody>
           </p:sp>
@@ -4705,7 +4707,7 @@
               <a:lstStyle/>
               <a:p>
                 <a:pPr algn="ctr"/>
-                <a:endParaRPr lang="en-GB"/>
+                <a:endParaRPr lang="en-GB" sz="2400"/>
               </a:p>
             </p:txBody>
           </p:sp>
@@ -4780,7 +4782,7 @@
               <a:lstStyle/>
               <a:p>
                 <a:pPr algn="ctr"/>
-                <a:endParaRPr lang="en-GB"/>
+                <a:endParaRPr lang="en-GB" sz="2400"/>
               </a:p>
             </p:txBody>
           </p:sp>
@@ -4834,7 +4836,7 @@
               <a:lstStyle/>
               <a:p>
                 <a:pPr algn="ctr"/>
-                <a:endParaRPr lang="en-GB"/>
+                <a:endParaRPr lang="en-GB" sz="2400"/>
               </a:p>
             </p:txBody>
           </p:sp>
@@ -4888,7 +4890,7 @@
               <a:lstStyle/>
               <a:p>
                 <a:pPr algn="ctr"/>
-                <a:endParaRPr lang="en-GB"/>
+                <a:endParaRPr lang="en-GB" sz="2400"/>
               </a:p>
             </p:txBody>
           </p:sp>
@@ -4908,7 +4910,7 @@
           <p:spPr>
             <a:xfrm>
               <a:off x="5631927" y="592754"/>
-              <a:ext cx="1120140" cy="338554"/>
+              <a:ext cx="1120140" cy="315430"/>
             </a:xfrm>
             <a:prstGeom prst="rect">
               <a:avLst/>
@@ -4923,13 +4925,13 @@
             <a:p>
               <a:pPr algn="ctr"/>
               <a:r>
-                <a:rPr lang="en-US" sz="1600" b="1" dirty="0">
+                <a:rPr lang="en-US" sz="2133" b="1" dirty="0">
                   <a:latin typeface="Consolas" panose="020B0609020204030204" pitchFamily="49" charset="0"/>
                   <a:cs typeface="Cordia New" panose="020B0304020202020204" pitchFamily="34" charset="-34"/>
                 </a:rPr>
                 <a:t>Q</a:t>
               </a:r>
-              <a:endParaRPr lang="en-GB" sz="1600" b="1" dirty="0">
+              <a:endParaRPr lang="en-GB" sz="2133" b="1" dirty="0">
                 <a:latin typeface="Consolas" panose="020B0609020204030204" pitchFamily="49" charset="0"/>
                 <a:cs typeface="Cordia New" panose="020B0304020202020204" pitchFamily="34" charset="-34"/>
               </a:endParaRPr>
@@ -4996,7 +4998,7 @@
           <p:spPr>
             <a:xfrm>
               <a:off x="5019330" y="1103022"/>
-              <a:ext cx="572876" cy="369332"/>
+              <a:ext cx="572876" cy="346257"/>
             </a:xfrm>
             <a:prstGeom prst="rect">
               <a:avLst/>
@@ -5010,14 +5012,14 @@
             <a:lstStyle/>
             <a:p>
               <a:r>
-                <a:rPr lang="en-US" dirty="0"/>
+                <a:rPr lang="en-US" sz="2400" dirty="0"/>
                 <a:t>N</a:t>
               </a:r>
               <a:r>
-                <a:rPr lang="en-US" baseline="-25000" dirty="0"/>
+                <a:rPr lang="en-US" sz="2400" baseline="-25000" dirty="0"/>
                 <a:t>Q</a:t>
               </a:r>
-              <a:endParaRPr lang="en-GB" baseline="-25000" dirty="0"/>
+              <a:endParaRPr lang="en-GB" sz="2400" baseline="-25000" dirty="0"/>
             </a:p>
           </p:txBody>
         </p:sp>
@@ -5081,7 +5083,7 @@
           <p:spPr>
             <a:xfrm>
               <a:off x="5961421" y="1726457"/>
-              <a:ext cx="479636" cy="369332"/>
+              <a:ext cx="479636" cy="346257"/>
             </a:xfrm>
             <a:prstGeom prst="rect">
               <a:avLst/>
@@ -5095,14 +5097,14 @@
             <a:lstStyle/>
             <a:p>
               <a:r>
-                <a:rPr lang="en-US" dirty="0"/>
+                <a:rPr lang="en-US" sz="2400" dirty="0"/>
                 <a:t>D</a:t>
               </a:r>
               <a:r>
-                <a:rPr lang="en-US" baseline="-25000" dirty="0"/>
+                <a:rPr lang="en-US" sz="2400" baseline="-25000" dirty="0"/>
                 <a:t>Q</a:t>
               </a:r>
-              <a:endParaRPr lang="en-GB" baseline="-25000" dirty="0"/>
+              <a:endParaRPr lang="en-GB" sz="2400" baseline="-25000" dirty="0"/>
             </a:p>
           </p:txBody>
         </p:sp>
@@ -5123,8 +5125,8 @@
         </p:nvCxnSpPr>
         <p:spPr>
           <a:xfrm flipV="1">
-            <a:off x="4642147" y="8294358"/>
-            <a:ext cx="2974942" cy="2602"/>
+            <a:off x="6189385" y="8936597"/>
+            <a:ext cx="3966497" cy="3469"/>
           </a:xfrm>
           <a:prstGeom prst="straightConnector1">
             <a:avLst/>
@@ -5162,8 +5164,8 @@
         </p:nvSpPr>
         <p:spPr>
           <a:xfrm>
-            <a:off x="3921185" y="7997105"/>
-            <a:ext cx="4579034" cy="307777"/>
+            <a:off x="4955265" y="8539521"/>
+            <a:ext cx="6105236" cy="400110"/>
           </a:xfrm>
           <a:prstGeom prst="rect">
             <a:avLst/>
@@ -5178,34 +5180,34 @@
           <a:p>
             <a:pPr algn="ctr"/>
             <a:r>
-              <a:rPr lang="en-US" sz="1400" b="1" dirty="0"/>
+              <a:rPr lang="en-US" sz="2000" b="1" dirty="0"/>
               <a:t>V = X.W</a:t>
             </a:r>
             <a:r>
-              <a:rPr lang="en-US" sz="1400" b="1" baseline="-25000" dirty="0"/>
+              <a:rPr lang="en-US" sz="2000" b="1" baseline="-25000" dirty="0"/>
               <a:t>V</a:t>
             </a:r>
             <a:r>
-              <a:rPr lang="en-US" sz="1400" b="1" dirty="0"/>
+              <a:rPr lang="en-US" sz="2000" b="1" dirty="0"/>
               <a:t> </a:t>
             </a:r>
             <a:r>
-              <a:rPr lang="en-US" sz="1400" dirty="0"/>
-              <a:t>| Shape: N</a:t>
-            </a:r>
-            <a:r>
-              <a:rPr lang="en-US" sz="1400" baseline="-25000" dirty="0"/>
+              <a:rPr lang="en-US" sz="2000" dirty="0"/>
+              <a:t>| Shape of V: N</a:t>
+            </a:r>
+            <a:r>
+              <a:rPr lang="en-US" sz="2000" baseline="-25000" dirty="0"/>
               <a:t>X</a:t>
             </a:r>
             <a:r>
-              <a:rPr lang="en-US" sz="1400" dirty="0"/>
+              <a:rPr lang="en-US" sz="2000" dirty="0"/>
               <a:t> x D</a:t>
             </a:r>
             <a:r>
-              <a:rPr lang="en-US" sz="1400" baseline="-25000" dirty="0"/>
+              <a:rPr lang="en-US" sz="2000" baseline="-25000" dirty="0"/>
               <a:t>V</a:t>
             </a:r>
-            <a:endParaRPr lang="en-GB" sz="1400" baseline="-25000" dirty="0"/>
+            <a:endParaRPr lang="en-GB" sz="2000" baseline="-25000" dirty="0"/>
           </a:p>
         </p:txBody>
       </p:sp>
@@ -5223,8 +5225,8 @@
         </p:nvSpPr>
         <p:spPr>
           <a:xfrm>
-            <a:off x="8568024" y="7787545"/>
-            <a:ext cx="3050830" cy="523220"/>
+            <a:off x="11423765" y="8260862"/>
+            <a:ext cx="4067678" cy="707886"/>
           </a:xfrm>
           <a:prstGeom prst="rect">
             <a:avLst/>
@@ -5238,18 +5240,18 @@
           <a:lstStyle/>
           <a:p>
             <a:r>
-              <a:rPr lang="en-US" sz="1400" dirty="0"/>
+              <a:rPr lang="en-US" sz="2000" dirty="0"/>
               <a:t>Linear transformation from </a:t>
             </a:r>
             <a:r>
-              <a:rPr lang="en-US" sz="1400" dirty="0" err="1"/>
+              <a:rPr lang="en-US" sz="2000" dirty="0" err="1"/>
               <a:t>i</a:t>
             </a:r>
             <a:r>
-              <a:rPr lang="en-US" sz="1400" dirty="0"/>
+              <a:rPr lang="en-US" sz="2000" dirty="0"/>
               <a:t>/p features matrix to Value matrix </a:t>
             </a:r>
-            <a:endParaRPr lang="en-GB" sz="1400" dirty="0"/>
+            <a:endParaRPr lang="en-GB" sz="2000" dirty="0"/>
           </a:p>
         </p:txBody>
       </p:sp>
@@ -5267,8 +5269,8 @@
         </p:nvSpPr>
         <p:spPr>
           <a:xfrm>
-            <a:off x="11834855" y="9493482"/>
-            <a:ext cx="3294518" cy="830997"/>
+            <a:off x="15779438" y="10535391"/>
+            <a:ext cx="4392588" cy="1200329"/>
           </a:xfrm>
           <a:prstGeom prst="rect">
             <a:avLst/>
@@ -5282,7 +5284,7 @@
           <a:lstStyle/>
           <a:p>
             <a:r>
-              <a:rPr lang="en-US" sz="1200" dirty="0">
+              <a:rPr lang="en-US" dirty="0">
                 <a:solidFill>
                   <a:srgbClr val="0000FF"/>
                 </a:solidFill>
@@ -5291,7 +5293,7 @@
               <a:t>Value matrix</a:t>
             </a:r>
             <a:br>
-              <a:rPr lang="en-US" sz="1200" dirty="0">
+              <a:rPr lang="en-US" dirty="0">
                 <a:solidFill>
                   <a:srgbClr val="0000FF"/>
                 </a:solidFill>
@@ -5299,7 +5301,7 @@
               </a:rPr>
             </a:br>
             <a:r>
-              <a:rPr lang="en-US" sz="1200" dirty="0">
+              <a:rPr lang="en-US" dirty="0">
                 <a:solidFill>
                   <a:srgbClr val="0000FF"/>
                 </a:solidFill>
@@ -5308,7 +5310,7 @@
               <a:t>Num rows: no of </a:t>
             </a:r>
             <a:r>
-              <a:rPr lang="en-US" sz="1200" dirty="0" err="1">
+              <a:rPr lang="en-US" dirty="0" err="1">
                 <a:solidFill>
                   <a:srgbClr val="0000FF"/>
                 </a:solidFill>
@@ -5317,7 +5319,7 @@
               <a:t>i</a:t>
             </a:r>
             <a:r>
-              <a:rPr lang="en-US" sz="1200" dirty="0">
+              <a:rPr lang="en-US" dirty="0">
                 <a:solidFill>
                   <a:srgbClr val="0000FF"/>
                 </a:solidFill>
@@ -5328,7 +5330,7 @@
           </a:p>
           <a:p>
             <a:r>
-              <a:rPr lang="en-US" sz="1200" dirty="0">
+              <a:rPr lang="en-US" dirty="0">
                 <a:solidFill>
                   <a:srgbClr val="0000FF"/>
                 </a:solidFill>
@@ -5353,8 +5355,8 @@
         </p:nvSpPr>
         <p:spPr>
           <a:xfrm>
-            <a:off x="9489570" y="4763864"/>
-            <a:ext cx="2831058" cy="646331"/>
+            <a:off x="12877985" y="4198637"/>
+            <a:ext cx="3774656" cy="923330"/>
           </a:xfrm>
           <a:prstGeom prst="rect">
             <a:avLst/>
@@ -5368,7 +5370,7 @@
           <a:lstStyle/>
           <a:p>
             <a:r>
-              <a:rPr lang="en-US" sz="1200" dirty="0">
+              <a:rPr lang="en-US" dirty="0">
                 <a:solidFill>
                   <a:srgbClr val="0000FF"/>
                 </a:solidFill>
@@ -5395,8 +5397,8 @@
         </p:nvCxnSpPr>
         <p:spPr>
           <a:xfrm flipV="1">
-            <a:off x="9472353" y="5508687"/>
-            <a:ext cx="951067" cy="260888"/>
+            <a:off x="12629510" y="5222455"/>
+            <a:ext cx="1268060" cy="347843"/>
           </a:xfrm>
           <a:prstGeom prst="curvedConnector3">
             <a:avLst>
@@ -5439,8 +5441,8 @@
         </p:nvSpPr>
         <p:spPr>
           <a:xfrm>
-            <a:off x="2005461" y="6644344"/>
-            <a:ext cx="5610865" cy="307777"/>
+            <a:off x="2673887" y="6736630"/>
+            <a:ext cx="7480978" cy="400110"/>
           </a:xfrm>
           <a:prstGeom prst="rect">
             <a:avLst/>
@@ -5454,18 +5456,18 @@
           <a:lstStyle/>
           <a:p>
             <a:r>
-              <a:rPr lang="en-US" sz="1400" dirty="0"/>
+              <a:rPr lang="en-US" sz="2000" dirty="0"/>
               <a:t>D</a:t>
             </a:r>
             <a:r>
-              <a:rPr lang="en-US" sz="1400" baseline="-25000" dirty="0"/>
+              <a:rPr lang="en-US" sz="2000" baseline="-25000" dirty="0"/>
               <a:t>V </a:t>
             </a:r>
             <a:r>
-              <a:rPr lang="en-US" sz="1400" dirty="0"/>
+              <a:rPr lang="en-US" sz="2000" dirty="0"/>
               <a:t>: the number of o/p dimensions we want (here assume 4)</a:t>
             </a:r>
-            <a:endParaRPr lang="en-GB" sz="1400" dirty="0"/>
+            <a:endParaRPr lang="en-GB" sz="2000" dirty="0"/>
           </a:p>
         </p:txBody>
       </p:sp>
@@ -5483,8 +5485,8 @@
         </p:nvSpPr>
         <p:spPr>
           <a:xfrm>
-            <a:off x="2005461" y="3394715"/>
-            <a:ext cx="3980213" cy="954107"/>
+            <a:off x="2673886" y="2403892"/>
+            <a:ext cx="5306827" cy="1323439"/>
           </a:xfrm>
           <a:prstGeom prst="rect">
             <a:avLst/>
@@ -5498,49 +5500,49 @@
           <a:lstStyle/>
           <a:p>
             <a:r>
-              <a:rPr lang="en-US" sz="1400" b="1" dirty="0"/>
+              <a:rPr lang="en-US" sz="2000" b="1" dirty="0"/>
               <a:t>Step 1</a:t>
             </a:r>
             <a:r>
-              <a:rPr lang="en-US" sz="1400" dirty="0"/>
+              <a:rPr lang="en-US" sz="2000" dirty="0"/>
               <a:t>: Define the inputs:</a:t>
             </a:r>
           </a:p>
           <a:p>
-            <a:pPr marL="342892" indent="-342892">
+            <a:pPr marL="457178" indent="-457178">
               <a:buAutoNum type="arabicPeriod"/>
             </a:pPr>
             <a:r>
-              <a:rPr lang="en-US" sz="1400" dirty="0"/>
+              <a:rPr lang="en-US" sz="2000" dirty="0"/>
               <a:t>Query matrix (Q)</a:t>
             </a:r>
           </a:p>
           <a:p>
-            <a:pPr marL="342892" indent="-342892">
+            <a:pPr marL="457178" indent="-457178">
               <a:buAutoNum type="arabicPeriod"/>
             </a:pPr>
             <a:r>
-              <a:rPr lang="en-US" sz="1400" dirty="0"/>
+              <a:rPr lang="en-US" sz="2000" dirty="0"/>
               <a:t>The number of o/p dimensions we want (D</a:t>
             </a:r>
             <a:r>
-              <a:rPr lang="en-US" sz="1400" baseline="-25000" dirty="0"/>
+              <a:rPr lang="en-US" sz="2000" baseline="-25000" dirty="0"/>
               <a:t>V</a:t>
             </a:r>
             <a:r>
-              <a:rPr lang="en-US" sz="1400" dirty="0"/>
+              <a:rPr lang="en-US" sz="2000" dirty="0"/>
               <a:t>)</a:t>
             </a:r>
           </a:p>
           <a:p>
-            <a:pPr marL="342892" indent="-342892">
+            <a:pPr marL="457178" indent="-457178">
               <a:buAutoNum type="arabicPeriod"/>
             </a:pPr>
             <a:r>
-              <a:rPr lang="en-US" sz="1400" dirty="0"/>
+              <a:rPr lang="en-US" sz="2000" dirty="0"/>
               <a:t>The input features matrix (X)</a:t>
             </a:r>
-            <a:endParaRPr lang="en-GB" sz="1400" dirty="0"/>
+            <a:endParaRPr lang="en-GB" sz="2000" dirty="0"/>
           </a:p>
         </p:txBody>
       </p:sp>
@@ -5558,8 +5560,8 @@
         </p:nvSpPr>
         <p:spPr>
           <a:xfrm>
-            <a:off x="6234642" y="3394710"/>
-            <a:ext cx="4579034" cy="523220"/>
+            <a:off x="8312662" y="2403885"/>
+            <a:ext cx="6105236" cy="707886"/>
           </a:xfrm>
           <a:prstGeom prst="rect">
             <a:avLst/>
@@ -5573,28 +5575,28 @@
           <a:lstStyle/>
           <a:p>
             <a:r>
-              <a:rPr lang="en-US" sz="1400" b="1" dirty="0"/>
+              <a:rPr lang="en-US" sz="2000" b="1" dirty="0"/>
               <a:t>Step 2</a:t>
             </a:r>
             <a:r>
-              <a:rPr lang="en-US" sz="1400" dirty="0"/>
+              <a:rPr lang="en-US" sz="2000" dirty="0"/>
               <a:t>: Linear transformation from </a:t>
             </a:r>
             <a:r>
-              <a:rPr lang="en-US" sz="1400" dirty="0" err="1"/>
+              <a:rPr lang="en-US" sz="2000" dirty="0" err="1"/>
               <a:t>i</a:t>
             </a:r>
             <a:r>
-              <a:rPr lang="en-US" sz="1400" dirty="0"/>
+              <a:rPr lang="en-US" sz="2000" dirty="0"/>
               <a:t>/p features matrix (X)</a:t>
             </a:r>
           </a:p>
           <a:p>
             <a:r>
-              <a:rPr lang="en-US" sz="1400" dirty="0"/>
+              <a:rPr lang="en-US" sz="2000" dirty="0"/>
               <a:t>to Value matrix (V)</a:t>
             </a:r>
-            <a:endParaRPr lang="en-GB" sz="1400" dirty="0"/>
+            <a:endParaRPr lang="en-GB" sz="2000" dirty="0"/>
           </a:p>
         </p:txBody>
       </p:sp>
@@ -5612,8 +5614,8 @@
         </p:nvSpPr>
         <p:spPr>
           <a:xfrm>
-            <a:off x="5408104" y="5090579"/>
-            <a:ext cx="1144860" cy="276999"/>
+            <a:off x="6590596" y="4660302"/>
+            <a:ext cx="1833146" cy="369332"/>
           </a:xfrm>
           <a:prstGeom prst="rect">
             <a:avLst/>
@@ -5627,7 +5629,7 @@
           <a:lstStyle/>
           <a:p>
             <a:r>
-              <a:rPr lang="en-US" sz="1200" dirty="0">
+              <a:rPr lang="en-US" dirty="0">
                 <a:solidFill>
                   <a:srgbClr val="0000FF"/>
                 </a:solidFill>
@@ -5652,8 +5654,8 @@
         </p:nvGrpSpPr>
         <p:grpSpPr>
           <a:xfrm>
-            <a:off x="6620139" y="4339099"/>
-            <a:ext cx="2920137" cy="1739692"/>
+            <a:off x="8826647" y="3663041"/>
+            <a:ext cx="3893425" cy="2319535"/>
             <a:chOff x="5030191" y="6464994"/>
             <a:chExt cx="2920137" cy="1739692"/>
           </a:xfrm>
@@ -5774,7 +5776,7 @@
             <p:spPr>
               <a:xfrm>
                 <a:off x="5030191" y="7162056"/>
-                <a:ext cx="479636" cy="369332"/>
+                <a:ext cx="479636" cy="346257"/>
               </a:xfrm>
               <a:prstGeom prst="rect">
                 <a:avLst/>
@@ -5788,14 +5790,14 @@
               <a:lstStyle/>
               <a:p>
                 <a:r>
-                  <a:rPr lang="en-US" dirty="0"/>
+                  <a:rPr lang="en-US" sz="2400" dirty="0"/>
                   <a:t>D</a:t>
                 </a:r>
                 <a:r>
-                  <a:rPr lang="en-US" baseline="-25000" dirty="0"/>
+                  <a:rPr lang="en-US" sz="2400" baseline="-25000" dirty="0"/>
                   <a:t>X</a:t>
                 </a:r>
-                <a:endParaRPr lang="en-GB" baseline="-25000" dirty="0"/>
+                <a:endParaRPr lang="en-GB" sz="2400" baseline="-25000" dirty="0"/>
               </a:p>
             </p:txBody>
           </p:sp>
@@ -5814,7 +5816,7 @@
             <p:spPr>
               <a:xfrm>
                 <a:off x="7470692" y="7127667"/>
-                <a:ext cx="479636" cy="369332"/>
+                <a:ext cx="479636" cy="346257"/>
               </a:xfrm>
               <a:prstGeom prst="rect">
                 <a:avLst/>
@@ -5828,14 +5830,14 @@
               <a:lstStyle/>
               <a:p>
                 <a:r>
-                  <a:rPr lang="en-US" dirty="0"/>
+                  <a:rPr lang="en-US" sz="2400" dirty="0"/>
                   <a:t>D</a:t>
                 </a:r>
                 <a:r>
-                  <a:rPr lang="en-US" baseline="-25000" dirty="0"/>
+                  <a:rPr lang="en-US" sz="2400" baseline="-25000" dirty="0"/>
                   <a:t>V</a:t>
                 </a:r>
-                <a:endParaRPr lang="en-GB" baseline="-25000" dirty="0"/>
+                <a:endParaRPr lang="en-GB" sz="2400" baseline="-25000" dirty="0"/>
               </a:p>
             </p:txBody>
           </p:sp>
@@ -5933,7 +5935,7 @@
             <a:lstStyle/>
             <a:p>
               <a:pPr algn="ctr"/>
-              <a:endParaRPr lang="en-GB"/>
+              <a:endParaRPr lang="en-GB" sz="2400"/>
             </a:p>
           </p:txBody>
         </p:sp>
@@ -5952,8 +5954,8 @@
         </p:nvGrpSpPr>
         <p:grpSpPr>
           <a:xfrm>
-            <a:off x="7638899" y="7728080"/>
-            <a:ext cx="867007" cy="1202987"/>
+            <a:off x="10184962" y="8181578"/>
+            <a:ext cx="1155982" cy="1603945"/>
             <a:chOff x="6013279" y="3254247"/>
             <a:chExt cx="867007" cy="1202987"/>
           </a:xfrm>
@@ -6049,7 +6051,7 @@
                 <a:lstStyle/>
                 <a:p>
                   <a:pPr algn="ctr"/>
-                  <a:endParaRPr lang="en-GB"/>
+                  <a:endParaRPr lang="en-GB" sz="2400"/>
                 </a:p>
               </p:txBody>
             </p:sp>
@@ -6104,7 +6106,7 @@
                 <a:lstStyle/>
                 <a:p>
                   <a:pPr algn="ctr"/>
-                  <a:endParaRPr lang="en-GB"/>
+                  <a:endParaRPr lang="en-GB" sz="2400"/>
                 </a:p>
               </p:txBody>
             </p:sp>
@@ -6159,7 +6161,7 @@
                 <a:lstStyle/>
                 <a:p>
                   <a:pPr algn="ctr"/>
-                  <a:endParaRPr lang="en-GB"/>
+                  <a:endParaRPr lang="en-GB" sz="2400"/>
                 </a:p>
               </p:txBody>
             </p:sp>
@@ -6235,7 +6237,7 @@
                 <a:lstStyle/>
                 <a:p>
                   <a:pPr algn="ctr"/>
-                  <a:endParaRPr lang="en-GB"/>
+                  <a:endParaRPr lang="en-GB" sz="2400"/>
                 </a:p>
               </p:txBody>
             </p:sp>
@@ -6290,7 +6292,7 @@
                 <a:lstStyle/>
                 <a:p>
                   <a:pPr algn="ctr"/>
-                  <a:endParaRPr lang="en-GB"/>
+                  <a:endParaRPr lang="en-GB" sz="2400"/>
                 </a:p>
               </p:txBody>
             </p:sp>
@@ -6345,7 +6347,7 @@
                 <a:lstStyle/>
                 <a:p>
                   <a:pPr algn="ctr"/>
-                  <a:endParaRPr lang="en-GB"/>
+                  <a:endParaRPr lang="en-GB" sz="2400"/>
                 </a:p>
               </p:txBody>
             </p:sp>
@@ -6421,7 +6423,7 @@
                 <a:lstStyle/>
                 <a:p>
                   <a:pPr algn="ctr"/>
-                  <a:endParaRPr lang="en-GB"/>
+                  <a:endParaRPr lang="en-GB" sz="2400"/>
                 </a:p>
               </p:txBody>
             </p:sp>
@@ -6476,7 +6478,7 @@
                 <a:lstStyle/>
                 <a:p>
                   <a:pPr algn="ctr"/>
-                  <a:endParaRPr lang="en-GB"/>
+                  <a:endParaRPr lang="en-GB" sz="2400"/>
                 </a:p>
               </p:txBody>
             </p:sp>
@@ -6531,7 +6533,7 @@
                 <a:lstStyle/>
                 <a:p>
                   <a:pPr algn="ctr"/>
-                  <a:endParaRPr lang="en-GB"/>
+                  <a:endParaRPr lang="en-GB" sz="2400"/>
                 </a:p>
               </p:txBody>
             </p:sp>
@@ -6607,7 +6609,7 @@
                 <a:lstStyle/>
                 <a:p>
                   <a:pPr algn="ctr"/>
-                  <a:endParaRPr lang="en-GB"/>
+                  <a:endParaRPr lang="en-GB" sz="2400"/>
                 </a:p>
               </p:txBody>
             </p:sp>
@@ -6662,7 +6664,7 @@
                 <a:lstStyle/>
                 <a:p>
                   <a:pPr algn="ctr"/>
-                  <a:endParaRPr lang="en-GB"/>
+                  <a:endParaRPr lang="en-GB" sz="2400"/>
                 </a:p>
               </p:txBody>
             </p:sp>
@@ -6717,7 +6719,7 @@
                 <a:lstStyle/>
                 <a:p>
                   <a:pPr algn="ctr"/>
-                  <a:endParaRPr lang="en-GB"/>
+                  <a:endParaRPr lang="en-GB" sz="2400"/>
                 </a:p>
               </p:txBody>
             </p:sp>
@@ -6793,7 +6795,7 @@
                 <a:lstStyle/>
                 <a:p>
                   <a:pPr algn="ctr"/>
-                  <a:endParaRPr lang="en-GB"/>
+                  <a:endParaRPr lang="en-GB" sz="2400"/>
                 </a:p>
               </p:txBody>
             </p:sp>
@@ -6848,7 +6850,7 @@
                 <a:lstStyle/>
                 <a:p>
                   <a:pPr algn="ctr"/>
-                  <a:endParaRPr lang="en-GB"/>
+                  <a:endParaRPr lang="en-GB" sz="2400"/>
                 </a:p>
               </p:txBody>
             </p:sp>
@@ -6903,7 +6905,7 @@
                 <a:lstStyle/>
                 <a:p>
                   <a:pPr algn="ctr"/>
-                  <a:endParaRPr lang="en-GB"/>
+                  <a:endParaRPr lang="en-GB" sz="2400"/>
                 </a:p>
               </p:txBody>
             </p:sp>
@@ -6980,7 +6982,7 @@
               <a:lstStyle/>
               <a:p>
                 <a:pPr algn="ctr"/>
-                <a:endParaRPr lang="en-GB"/>
+                <a:endParaRPr lang="en-GB" sz="2400"/>
               </a:p>
             </p:txBody>
           </p:sp>
@@ -7035,7 +7037,7 @@
               <a:lstStyle/>
               <a:p>
                 <a:pPr algn="ctr"/>
-                <a:endParaRPr lang="en-GB"/>
+                <a:endParaRPr lang="en-GB" sz="2400"/>
               </a:p>
             </p:txBody>
           </p:sp>
@@ -7090,7 +7092,7 @@
               <a:lstStyle/>
               <a:p>
                 <a:pPr algn="ctr"/>
-                <a:endParaRPr lang="en-GB"/>
+                <a:endParaRPr lang="en-GB" sz="2400"/>
               </a:p>
             </p:txBody>
           </p:sp>
@@ -7145,7 +7147,7 @@
               <a:lstStyle/>
               <a:p>
                 <a:pPr algn="ctr"/>
-                <a:endParaRPr lang="en-GB"/>
+                <a:endParaRPr lang="en-GB" sz="2400"/>
               </a:p>
             </p:txBody>
           </p:sp>
@@ -7200,7 +7202,7 @@
               <a:lstStyle/>
               <a:p>
                 <a:pPr algn="ctr"/>
-                <a:endParaRPr lang="en-GB"/>
+                <a:endParaRPr lang="en-GB" sz="2400"/>
               </a:p>
             </p:txBody>
           </p:sp>
@@ -7220,10 +7222,10 @@
         </p:nvGrpSpPr>
         <p:grpSpPr>
           <a:xfrm>
-            <a:off x="11426197" y="7063845"/>
-            <a:ext cx="1769088" cy="2263632"/>
+            <a:off x="15234573" y="7295950"/>
+            <a:ext cx="2358729" cy="2987339"/>
             <a:chOff x="10136350" y="3878682"/>
-            <a:chExt cx="1769088" cy="2263632"/>
+            <a:chExt cx="1769088" cy="2240557"/>
           </a:xfrm>
         </p:grpSpPr>
         <p:grpSp>
@@ -7241,9 +7243,9 @@
           <p:grpSpPr>
             <a:xfrm>
               <a:off x="10136350" y="3878682"/>
-              <a:ext cx="1768567" cy="2263632"/>
+              <a:ext cx="1768567" cy="2240557"/>
               <a:chOff x="10136350" y="3878682"/>
-              <a:chExt cx="1768567" cy="2263632"/>
+              <a:chExt cx="1768567" cy="2240557"/>
             </a:xfrm>
           </p:grpSpPr>
           <p:grpSp>
@@ -7319,7 +7321,7 @@
                 <a:lstStyle/>
                 <a:p>
                   <a:pPr algn="ctr"/>
-                  <a:endParaRPr lang="en-GB" dirty="0"/>
+                  <a:endParaRPr lang="en-GB" sz="2400" dirty="0"/>
                 </a:p>
               </p:txBody>
             </p:sp>
@@ -7376,7 +7378,7 @@
                 <a:lstStyle/>
                 <a:p>
                   <a:pPr algn="ctr"/>
-                  <a:endParaRPr lang="en-GB" dirty="0"/>
+                  <a:endParaRPr lang="en-GB" sz="2400" dirty="0"/>
                 </a:p>
               </p:txBody>
             </p:sp>
@@ -7433,7 +7435,7 @@
                 <a:lstStyle/>
                 <a:p>
                   <a:pPr algn="ctr"/>
-                  <a:endParaRPr lang="en-GB" dirty="0"/>
+                  <a:endParaRPr lang="en-GB" sz="2400" dirty="0"/>
                 </a:p>
               </p:txBody>
             </p:sp>
@@ -7511,7 +7513,7 @@
                 <a:lstStyle/>
                 <a:p>
                   <a:pPr algn="ctr"/>
-                  <a:endParaRPr lang="en-GB" dirty="0"/>
+                  <a:endParaRPr lang="en-GB" sz="2400" dirty="0"/>
                 </a:p>
               </p:txBody>
             </p:sp>
@@ -7568,7 +7570,7 @@
                 <a:lstStyle/>
                 <a:p>
                   <a:pPr algn="ctr"/>
-                  <a:endParaRPr lang="en-GB" dirty="0"/>
+                  <a:endParaRPr lang="en-GB" sz="2400" dirty="0"/>
                 </a:p>
               </p:txBody>
             </p:sp>
@@ -7625,7 +7627,7 @@
                 <a:lstStyle/>
                 <a:p>
                   <a:pPr algn="ctr"/>
-                  <a:endParaRPr lang="en-GB" dirty="0"/>
+                  <a:endParaRPr lang="en-GB" sz="2400" dirty="0"/>
                 </a:p>
               </p:txBody>
             </p:sp>
@@ -7703,7 +7705,7 @@
                 <a:lstStyle/>
                 <a:p>
                   <a:pPr algn="ctr"/>
-                  <a:endParaRPr lang="en-GB" dirty="0"/>
+                  <a:endParaRPr lang="en-GB" sz="2400" dirty="0"/>
                 </a:p>
               </p:txBody>
             </p:sp>
@@ -7760,7 +7762,7 @@
                 <a:lstStyle/>
                 <a:p>
                   <a:pPr algn="ctr"/>
-                  <a:endParaRPr lang="en-GB" dirty="0"/>
+                  <a:endParaRPr lang="en-GB" sz="2400" dirty="0"/>
                 </a:p>
               </p:txBody>
             </p:sp>
@@ -7817,7 +7819,7 @@
                 <a:lstStyle/>
                 <a:p>
                   <a:pPr algn="ctr"/>
-                  <a:endParaRPr lang="en-GB" dirty="0"/>
+                  <a:endParaRPr lang="en-GB" sz="2400" dirty="0"/>
                 </a:p>
               </p:txBody>
             </p:sp>
@@ -7895,7 +7897,7 @@
                 <a:lstStyle/>
                 <a:p>
                   <a:pPr algn="ctr"/>
-                  <a:endParaRPr lang="en-GB" dirty="0"/>
+                  <a:endParaRPr lang="en-GB" sz="2400" dirty="0"/>
                 </a:p>
               </p:txBody>
             </p:sp>
@@ -7952,7 +7954,7 @@
                 <a:lstStyle/>
                 <a:p>
                   <a:pPr algn="ctr"/>
-                  <a:endParaRPr lang="en-GB" dirty="0"/>
+                  <a:endParaRPr lang="en-GB" sz="2400" dirty="0"/>
                 </a:p>
               </p:txBody>
             </p:sp>
@@ -8009,7 +8011,7 @@
                 <a:lstStyle/>
                 <a:p>
                   <a:pPr algn="ctr"/>
-                  <a:endParaRPr lang="en-GB" dirty="0"/>
+                  <a:endParaRPr lang="en-GB" sz="2400" dirty="0"/>
                 </a:p>
               </p:txBody>
             </p:sp>
@@ -8029,7 +8031,7 @@
             <p:spPr>
               <a:xfrm>
                 <a:off x="10723603" y="3878682"/>
-                <a:ext cx="1120140" cy="338554"/>
+                <a:ext cx="1120140" cy="315430"/>
               </a:xfrm>
               <a:prstGeom prst="rect">
                 <a:avLst/>
@@ -8044,13 +8046,13 @@
               <a:p>
                 <a:pPr algn="ctr"/>
                 <a:r>
-                  <a:rPr lang="en-US" sz="1600" b="1" dirty="0">
+                  <a:rPr lang="en-US" sz="2133" b="1" dirty="0">
                     <a:latin typeface="Consolas" panose="020B0609020204030204" pitchFamily="49" charset="0"/>
                     <a:cs typeface="Cordia New" panose="020B0304020202020204" pitchFamily="34" charset="-34"/>
                   </a:rPr>
                   <a:t>V</a:t>
                 </a:r>
-                <a:endParaRPr lang="en-GB" sz="1600" b="1" dirty="0">
+                <a:endParaRPr lang="en-GB" sz="2133" b="1" dirty="0">
                   <a:latin typeface="Consolas" panose="020B0609020204030204" pitchFamily="49" charset="0"/>
                   <a:cs typeface="Cordia New" panose="020B0304020202020204" pitchFamily="34" charset="-34"/>
                 </a:endParaRPr>
@@ -8117,7 +8119,7 @@
             <p:spPr>
               <a:xfrm>
                 <a:off x="10136350" y="4756257"/>
-                <a:ext cx="572876" cy="369332"/>
+                <a:ext cx="572876" cy="346257"/>
               </a:xfrm>
               <a:prstGeom prst="rect">
                 <a:avLst/>
@@ -8131,14 +8133,14 @@
               <a:lstStyle/>
               <a:p>
                 <a:r>
-                  <a:rPr lang="en-US" dirty="0"/>
+                  <a:rPr lang="en-US" sz="2400" dirty="0"/>
                   <a:t>N</a:t>
                 </a:r>
                 <a:r>
-                  <a:rPr lang="en-US" baseline="-25000" dirty="0"/>
+                  <a:rPr lang="en-US" sz="2400" baseline="-25000" dirty="0"/>
                   <a:t>X</a:t>
                 </a:r>
-                <a:endParaRPr lang="en-GB" baseline="-25000" dirty="0"/>
+                <a:endParaRPr lang="en-GB" sz="2400" baseline="-25000" dirty="0"/>
               </a:p>
             </p:txBody>
           </p:sp>
@@ -8202,7 +8204,7 @@
             <p:spPr>
               <a:xfrm>
                 <a:off x="11105241" y="5772982"/>
-                <a:ext cx="479636" cy="369332"/>
+                <a:ext cx="479636" cy="346257"/>
               </a:xfrm>
               <a:prstGeom prst="rect">
                 <a:avLst/>
@@ -8216,14 +8218,14 @@
               <a:lstStyle/>
               <a:p>
                 <a:r>
-                  <a:rPr lang="en-US" dirty="0"/>
+                  <a:rPr lang="en-US" sz="2400" dirty="0"/>
                   <a:t>D</a:t>
                 </a:r>
                 <a:r>
-                  <a:rPr lang="en-US" baseline="-25000" dirty="0"/>
+                  <a:rPr lang="en-US" sz="2400" baseline="-25000" dirty="0"/>
                   <a:t>V</a:t>
                 </a:r>
-                <a:endParaRPr lang="en-GB" baseline="-25000" dirty="0"/>
+                <a:endParaRPr lang="en-GB" sz="2400" baseline="-25000" dirty="0"/>
               </a:p>
             </p:txBody>
           </p:sp>
@@ -8301,7 +8303,7 @@
               <a:lstStyle/>
               <a:p>
                 <a:pPr algn="ctr"/>
-                <a:endParaRPr lang="en-GB" dirty="0"/>
+                <a:endParaRPr lang="en-GB" sz="2400" dirty="0"/>
               </a:p>
             </p:txBody>
           </p:sp>
@@ -8358,7 +8360,7 @@
               <a:lstStyle/>
               <a:p>
                 <a:pPr algn="ctr"/>
-                <a:endParaRPr lang="en-GB" dirty="0"/>
+                <a:endParaRPr lang="en-GB" sz="2400" dirty="0"/>
               </a:p>
             </p:txBody>
           </p:sp>
@@ -8415,7 +8417,7 @@
               <a:lstStyle/>
               <a:p>
                 <a:pPr algn="ctr"/>
-                <a:endParaRPr lang="en-GB" dirty="0"/>
+                <a:endParaRPr lang="en-GB" sz="2400" dirty="0"/>
               </a:p>
             </p:txBody>
           </p:sp>
@@ -8472,7 +8474,7 @@
               <a:lstStyle/>
               <a:p>
                 <a:pPr algn="ctr"/>
-                <a:endParaRPr lang="en-GB" dirty="0"/>
+                <a:endParaRPr lang="en-GB" sz="2400" dirty="0"/>
               </a:p>
             </p:txBody>
           </p:sp>
@@ -8492,8 +8494,8 @@
         </p:nvSpPr>
         <p:spPr>
           <a:xfrm>
-            <a:off x="1321230" y="5467161"/>
-            <a:ext cx="492705" cy="369332"/>
+            <a:off x="1761600" y="5167089"/>
+            <a:ext cx="656925" cy="461665"/>
           </a:xfrm>
           <a:prstGeom prst="rect">
             <a:avLst/>
@@ -8507,10 +8509,10 @@
           <a:lstStyle/>
           <a:p>
             <a:r>
-              <a:rPr lang="en-US" dirty="0"/>
+              <a:rPr lang="en-US" sz="2400" dirty="0"/>
               <a:t>1.</a:t>
             </a:r>
-            <a:endParaRPr lang="en-GB" dirty="0"/>
+            <a:endParaRPr lang="en-GB" sz="2400" dirty="0"/>
           </a:p>
         </p:txBody>
       </p:sp>
@@ -8528,8 +8530,8 @@
         </p:nvSpPr>
         <p:spPr>
           <a:xfrm>
-            <a:off x="1321230" y="6603802"/>
-            <a:ext cx="492705" cy="369332"/>
+            <a:off x="1761600" y="6682575"/>
+            <a:ext cx="656925" cy="461665"/>
           </a:xfrm>
           <a:prstGeom prst="rect">
             <a:avLst/>
@@ -8543,10 +8545,10 @@
           <a:lstStyle/>
           <a:p>
             <a:r>
-              <a:rPr lang="en-US" dirty="0"/>
+              <a:rPr lang="en-US" sz="2400" dirty="0"/>
               <a:t>2.</a:t>
             </a:r>
-            <a:endParaRPr lang="en-GB" dirty="0"/>
+            <a:endParaRPr lang="en-GB" sz="2400" dirty="0"/>
           </a:p>
         </p:txBody>
       </p:sp>
@@ -8564,8 +8566,8 @@
         </p:nvSpPr>
         <p:spPr>
           <a:xfrm>
-            <a:off x="1321230" y="8019848"/>
-            <a:ext cx="492705" cy="369332"/>
+            <a:off x="1761600" y="8570592"/>
+            <a:ext cx="656925" cy="461665"/>
           </a:xfrm>
           <a:prstGeom prst="rect">
             <a:avLst/>
@@ -8579,10 +8581,10 @@
           <a:lstStyle/>
           <a:p>
             <a:r>
-              <a:rPr lang="en-US" dirty="0"/>
+              <a:rPr lang="en-US" sz="2400" dirty="0"/>
               <a:t>3.</a:t>
             </a:r>
-            <a:endParaRPr lang="en-GB" dirty="0"/>
+            <a:endParaRPr lang="en-GB" sz="2400" dirty="0"/>
           </a:p>
         </p:txBody>
       </p:sp>
@@ -8603,8 +8605,8 @@
         </p:nvCxnSpPr>
         <p:spPr>
           <a:xfrm flipH="1">
-            <a:off x="8070272" y="6057780"/>
-            <a:ext cx="2132" cy="1681591"/>
+            <a:off x="10760111" y="5954563"/>
+            <a:ext cx="2843" cy="2242069"/>
           </a:xfrm>
           <a:prstGeom prst="straightConnector1">
             <a:avLst/>
@@ -8644,8 +8646,8 @@
         </p:nvCxnSpPr>
         <p:spPr>
           <a:xfrm flipV="1">
-            <a:off x="8561388" y="8301188"/>
-            <a:ext cx="2974942" cy="2602"/>
+            <a:off x="11414917" y="8945703"/>
+            <a:ext cx="3966497" cy="3469"/>
           </a:xfrm>
           <a:prstGeom prst="straightConnector1">
             <a:avLst/>
@@ -9642,7 +9644,7 @@
                         <p:par>
                           <p:cTn id="85" fill="hold">
                             <p:stCondLst>
-                              <p:cond delay="16000"/>
+                              <p:cond delay="16100"/>
                             </p:stCondLst>
                             <p:childTnLst>
                               <p:par>
@@ -9770,7 +9772,7 @@
                         <p:par>
                           <p:cTn id="92" fill="hold">
                             <p:stCondLst>
-                              <p:cond delay="16500"/>
+                              <p:cond delay="16600"/>
                             </p:stCondLst>
                             <p:childTnLst>
                               <p:par>
@@ -9817,7 +9819,7 @@
                         <p:par>
                           <p:cTn id="96" fill="hold">
                             <p:stCondLst>
-                              <p:cond delay="17500"/>
+                              <p:cond delay="17600"/>
                             </p:stCondLst>
                             <p:childTnLst>
                               <p:par>
@@ -9861,7 +9863,7 @@
                         <p:par>
                           <p:cTn id="100" fill="hold">
                             <p:stCondLst>
-                              <p:cond delay="18000"/>
+                              <p:cond delay="18100"/>
                             </p:stCondLst>
                             <p:childTnLst>
                               <p:par>
@@ -9893,7 +9895,7 @@
                                     </p:set>
                                     <p:animEffect transition="in" filter="fade">
                                       <p:cBhvr>
-                                        <p:cTn id="103" dur="500"/>
+                                        <p:cTn id="103" dur="1000"/>
                                         <p:tgtEl>
                                           <p:spTgt spid="159"/>
                                         </p:tgtEl>
